--- a/E.coli_ML_Output/Figures/Figures.pptx
+++ b/E.coli_ML_Output/Figures/Figures.pptx
@@ -2966,7 +2966,7 @@
           <a:p>
             <a:fld id="{ECD25A3F-B1B6-4693-8CD8-355485DC27B1}" type="datetimeFigureOut">
               <a:rPr lang="en-US" smtClean="0"/>
-              <a:t>3/16/21</a:t>
+              <a:t>8/26/21</a:t>
             </a:fld>
             <a:endParaRPr lang="en-US"/>
           </a:p>
@@ -3164,7 +3164,7 @@
           <a:p>
             <a:fld id="{ECD25A3F-B1B6-4693-8CD8-355485DC27B1}" type="datetimeFigureOut">
               <a:rPr lang="en-US" smtClean="0"/>
-              <a:t>3/16/21</a:t>
+              <a:t>8/26/21</a:t>
             </a:fld>
             <a:endParaRPr lang="en-US"/>
           </a:p>
@@ -3372,7 +3372,7 @@
           <a:p>
             <a:fld id="{ECD25A3F-B1B6-4693-8CD8-355485DC27B1}" type="datetimeFigureOut">
               <a:rPr lang="en-US" smtClean="0"/>
-              <a:t>3/16/21</a:t>
+              <a:t>8/26/21</a:t>
             </a:fld>
             <a:endParaRPr lang="en-US"/>
           </a:p>
@@ -3570,7 +3570,7 @@
           <a:p>
             <a:fld id="{ECD25A3F-B1B6-4693-8CD8-355485DC27B1}" type="datetimeFigureOut">
               <a:rPr lang="en-US" smtClean="0"/>
-              <a:t>3/16/21</a:t>
+              <a:t>8/26/21</a:t>
             </a:fld>
             <a:endParaRPr lang="en-US"/>
           </a:p>
@@ -3845,7 +3845,7 @@
           <a:p>
             <a:fld id="{ECD25A3F-B1B6-4693-8CD8-355485DC27B1}" type="datetimeFigureOut">
               <a:rPr lang="en-US" smtClean="0"/>
-              <a:t>3/16/21</a:t>
+              <a:t>8/26/21</a:t>
             </a:fld>
             <a:endParaRPr lang="en-US"/>
           </a:p>
@@ -4110,7 +4110,7 @@
           <a:p>
             <a:fld id="{ECD25A3F-B1B6-4693-8CD8-355485DC27B1}" type="datetimeFigureOut">
               <a:rPr lang="en-US" smtClean="0"/>
-              <a:t>3/16/21</a:t>
+              <a:t>8/26/21</a:t>
             </a:fld>
             <a:endParaRPr lang="en-US"/>
           </a:p>
@@ -4522,7 +4522,7 @@
           <a:p>
             <a:fld id="{ECD25A3F-B1B6-4693-8CD8-355485DC27B1}" type="datetimeFigureOut">
               <a:rPr lang="en-US" smtClean="0"/>
-              <a:t>3/16/21</a:t>
+              <a:t>8/26/21</a:t>
             </a:fld>
             <a:endParaRPr lang="en-US"/>
           </a:p>
@@ -4663,7 +4663,7 @@
           <a:p>
             <a:fld id="{ECD25A3F-B1B6-4693-8CD8-355485DC27B1}" type="datetimeFigureOut">
               <a:rPr lang="en-US" smtClean="0"/>
-              <a:t>3/16/21</a:t>
+              <a:t>8/26/21</a:t>
             </a:fld>
             <a:endParaRPr lang="en-US"/>
           </a:p>
@@ -4776,7 +4776,7 @@
           <a:p>
             <a:fld id="{ECD25A3F-B1B6-4693-8CD8-355485DC27B1}" type="datetimeFigureOut">
               <a:rPr lang="en-US" smtClean="0"/>
-              <a:t>3/16/21</a:t>
+              <a:t>8/26/21</a:t>
             </a:fld>
             <a:endParaRPr lang="en-US"/>
           </a:p>
@@ -5087,7 +5087,7 @@
           <a:p>
             <a:fld id="{ECD25A3F-B1B6-4693-8CD8-355485DC27B1}" type="datetimeFigureOut">
               <a:rPr lang="en-US" smtClean="0"/>
-              <a:t>3/16/21</a:t>
+              <a:t>8/26/21</a:t>
             </a:fld>
             <a:endParaRPr lang="en-US"/>
           </a:p>
@@ -5375,7 +5375,7 @@
           <a:p>
             <a:fld id="{ECD25A3F-B1B6-4693-8CD8-355485DC27B1}" type="datetimeFigureOut">
               <a:rPr lang="en-US" smtClean="0"/>
-              <a:t>3/16/21</a:t>
+              <a:t>8/26/21</a:t>
             </a:fld>
             <a:endParaRPr lang="en-US"/>
           </a:p>
@@ -5616,7 +5616,7 @@
           <a:p>
             <a:fld id="{ECD25A3F-B1B6-4693-8CD8-355485DC27B1}" type="datetimeFigureOut">
               <a:rPr lang="en-US" smtClean="0"/>
-              <a:t>3/16/21</a:t>
+              <a:t>8/26/21</a:t>
             </a:fld>
             <a:endParaRPr lang="en-US"/>
           </a:p>
@@ -6033,6 +6033,80 @@
           <a:chExt cx="0" cy="0"/>
         </a:xfrm>
       </p:grpSpPr>
+      <p:sp>
+        <p:nvSpPr>
+          <p:cNvPr id="2" name="TextBox 1">
+            <a:extLst>
+              <a:ext uri="{FF2B5EF4-FFF2-40B4-BE49-F238E27FC236}">
+                <a16:creationId xmlns:a16="http://schemas.microsoft.com/office/drawing/2014/main" id="{19C63E8F-365B-AB44-999B-CC140446F89A}"/>
+              </a:ext>
+            </a:extLst>
+          </p:cNvPr>
+          <p:cNvSpPr txBox="1"/>
+          <p:nvPr/>
+        </p:nvSpPr>
+        <p:spPr>
+          <a:xfrm>
+            <a:off x="2596243" y="244929"/>
+            <a:ext cx="7037614" cy="3184071"/>
+          </a:xfrm>
+          <a:prstGeom prst="rect">
+            <a:avLst/>
+          </a:prstGeom>
+          <a:noFill/>
+          <a:ln>
+            <a:solidFill>
+              <a:schemeClr val="tx1"/>
+            </a:solidFill>
+          </a:ln>
+        </p:spPr>
+        <p:txBody>
+          <a:bodyPr wrap="square" rtlCol="0">
+            <a:spAutoFit/>
+          </a:bodyPr>
+          <a:lstStyle/>
+          <a:p>
+            <a:endParaRPr lang="en-US" dirty="0"/>
+          </a:p>
+        </p:txBody>
+      </p:sp>
+      <p:sp>
+        <p:nvSpPr>
+          <p:cNvPr id="36" name="TextBox 35">
+            <a:extLst>
+              <a:ext uri="{FF2B5EF4-FFF2-40B4-BE49-F238E27FC236}">
+                <a16:creationId xmlns:a16="http://schemas.microsoft.com/office/drawing/2014/main" id="{1E7F0766-0A42-5643-8BFE-C52BD361F07B}"/>
+              </a:ext>
+            </a:extLst>
+          </p:cNvPr>
+          <p:cNvSpPr txBox="1"/>
+          <p:nvPr/>
+        </p:nvSpPr>
+        <p:spPr>
+          <a:xfrm>
+            <a:off x="2596243" y="3448287"/>
+            <a:ext cx="7037614" cy="3184071"/>
+          </a:xfrm>
+          <a:prstGeom prst="rect">
+            <a:avLst/>
+          </a:prstGeom>
+          <a:noFill/>
+          <a:ln>
+            <a:solidFill>
+              <a:schemeClr val="tx1"/>
+            </a:solidFill>
+          </a:ln>
+        </p:spPr>
+        <p:txBody>
+          <a:bodyPr wrap="square" rtlCol="0">
+            <a:spAutoFit/>
+          </a:bodyPr>
+          <a:lstStyle/>
+          <a:p>
+            <a:endParaRPr lang="en-US" dirty="0"/>
+          </a:p>
+        </p:txBody>
+      </p:sp>
       <p:grpSp>
         <p:nvGrpSpPr>
           <p:cNvPr id="86" name="Group 85">
@@ -6047,10 +6121,10 @@
         </p:nvGrpSpPr>
         <p:grpSpPr>
           <a:xfrm>
-            <a:off x="3102964" y="687575"/>
-            <a:ext cx="6012461" cy="4996464"/>
-            <a:chOff x="3102964" y="687575"/>
-            <a:chExt cx="6012461" cy="4996464"/>
+            <a:off x="2707004" y="396347"/>
+            <a:ext cx="6395226" cy="5180855"/>
+            <a:chOff x="2720199" y="712021"/>
+            <a:chExt cx="6395226" cy="4417261"/>
           </a:xfrm>
         </p:grpSpPr>
         <p:grpSp>
@@ -6390,7 +6464,7 @@
             <a:lstStyle/>
             <a:p>
               <a:pPr algn="ctr"/>
-              <a:endParaRPr lang="en-US"/>
+              <a:endParaRPr lang="en-US" dirty="0"/>
             </a:p>
           </p:txBody>
         </p:sp>
@@ -6416,7 +6490,7 @@
             <a:prstGeom prst="bentConnector5">
               <a:avLst>
                 <a:gd name="adj1" fmla="val -13502"/>
-                <a:gd name="adj2" fmla="val 85893"/>
+                <a:gd name="adj2" fmla="val 54283"/>
                 <a:gd name="adj3" fmla="val 4222"/>
               </a:avLst>
             </a:prstGeom>
@@ -6599,41 +6673,6 @@
         </p:sp>
         <p:sp>
           <p:nvSpPr>
-            <p:cNvPr id="40" name="TextBox 39">
-              <a:extLst>
-                <a:ext uri="{FF2B5EF4-FFF2-40B4-BE49-F238E27FC236}">
-                  <a16:creationId xmlns:a16="http://schemas.microsoft.com/office/drawing/2014/main" id="{F50DE108-2247-4892-8A91-14D4D23B5E0F}"/>
-                </a:ext>
-              </a:extLst>
-            </p:cNvPr>
-            <p:cNvSpPr txBox="1"/>
-            <p:nvPr/>
-          </p:nvSpPr>
-          <p:spPr>
-            <a:xfrm>
-              <a:off x="5440286" y="2730347"/>
-              <a:ext cx="1869525" cy="276999"/>
-            </a:xfrm>
-            <a:prstGeom prst="rect">
-              <a:avLst/>
-            </a:prstGeom>
-            <a:noFill/>
-          </p:spPr>
-          <p:txBody>
-            <a:bodyPr wrap="square" rtlCol="0">
-              <a:spAutoFit/>
-            </a:bodyPr>
-            <a:lstStyle/>
-            <a:p>
-              <a:r>
-                <a:rPr lang="en-US" sz="1200" dirty="0"/>
-                <a:t>Recycled liquid effluent</a:t>
-              </a:r>
-            </a:p>
-          </p:txBody>
-        </p:sp>
-        <p:sp>
-          <p:nvSpPr>
             <p:cNvPr id="41" name="TextBox 40">
               <a:extLst>
                 <a:ext uri="{FF2B5EF4-FFF2-40B4-BE49-F238E27FC236}">
@@ -6723,8 +6762,8 @@
           </p:nvSpPr>
           <p:spPr>
             <a:xfrm>
-              <a:off x="6312772" y="1121040"/>
-              <a:ext cx="1953853" cy="276999"/>
+              <a:off x="6116824" y="1186356"/>
+              <a:ext cx="1953853" cy="236173"/>
             </a:xfrm>
             <a:prstGeom prst="rect">
               <a:avLst/>
@@ -6743,7 +6782,7 @@
                   <a:latin typeface="Times New Roman" panose="02020603050405020304" pitchFamily="18" charset="0"/>
                   <a:cs typeface="Times New Roman" panose="02020603050405020304" pitchFamily="18" charset="0"/>
                 </a:rPr>
-                <a:t>Separated solid effluent</a:t>
+                <a:t>(Separated Solid Stage)</a:t>
               </a:r>
             </a:p>
           </p:txBody>
@@ -6762,8 +6801,8 @@
           </p:nvSpPr>
           <p:spPr>
             <a:xfrm>
-              <a:off x="3102964" y="687575"/>
-              <a:ext cx="2616074" cy="276999"/>
+              <a:off x="2720199" y="712021"/>
+              <a:ext cx="4442871" cy="236173"/>
             </a:xfrm>
             <a:prstGeom prst="rect">
               <a:avLst/>
@@ -6776,72 +6815,12 @@
             </a:bodyPr>
             <a:lstStyle/>
             <a:p>
-              <a:pPr algn="ctr"/>
               <a:r>
                 <a:rPr lang="en-US" sz="1200" b="1" dirty="0">
                   <a:latin typeface="Times New Roman" panose="02020603050405020304" pitchFamily="18" charset="0"/>
                   <a:cs typeface="Times New Roman" panose="02020603050405020304" pitchFamily="18" charset="0"/>
                 </a:rPr>
-                <a:t>(A) SOLID LIQUID SEPARATOR</a:t>
-              </a:r>
-            </a:p>
-          </p:txBody>
-        </p:sp>
-        <p:sp>
-          <p:nvSpPr>
-            <p:cNvPr id="47" name="Dodecagon 46">
-              <a:extLst>
-                <a:ext uri="{FF2B5EF4-FFF2-40B4-BE49-F238E27FC236}">
-                  <a16:creationId xmlns:a16="http://schemas.microsoft.com/office/drawing/2014/main" id="{17BD8632-AFAA-4F48-9E6C-9D9D4656B061}"/>
-                </a:ext>
-              </a:extLst>
-            </p:cNvPr>
-            <p:cNvSpPr/>
-            <p:nvPr/>
-          </p:nvSpPr>
-          <p:spPr>
-            <a:xfrm>
-              <a:off x="6791602" y="2679962"/>
-              <a:ext cx="606744" cy="373661"/>
-            </a:xfrm>
-            <a:prstGeom prst="dodecagon">
-              <a:avLst/>
-            </a:prstGeom>
-            <a:noFill/>
-            <a:ln w="9525">
-              <a:noFill/>
-            </a:ln>
-          </p:spPr>
-          <p:style>
-            <a:lnRef idx="2">
-              <a:schemeClr val="accent1">
-                <a:shade val="50000"/>
-              </a:schemeClr>
-            </a:lnRef>
-            <a:fillRef idx="1">
-              <a:schemeClr val="accent1"/>
-            </a:fillRef>
-            <a:effectRef idx="0">
-              <a:schemeClr val="accent1"/>
-            </a:effectRef>
-            <a:fontRef idx="minor">
-              <a:schemeClr val="lt1"/>
-            </a:fontRef>
-          </p:style>
-          <p:txBody>
-            <a:bodyPr rtlCol="0" anchor="ctr"/>
-            <a:lstStyle/>
-            <a:p>
-              <a:pPr algn="ctr"/>
-              <a:r>
-                <a:rPr lang="en-US" sz="1000" dirty="0">
-                  <a:solidFill>
-                    <a:schemeClr val="tx1"/>
-                  </a:solidFill>
-                  <a:latin typeface="Arial" panose="020B0604020202020204" pitchFamily="34" charset="0"/>
-                  <a:cs typeface="Arial" panose="020B0604020202020204" pitchFamily="34" charset="0"/>
-                </a:rPr>
-                <a:t>S4</a:t>
+                <a:t>(a) Solid Liquid (Mechanical) Separator</a:t>
               </a:r>
             </a:p>
           </p:txBody>
@@ -6860,7 +6839,7 @@
           </p:nvSpPr>
           <p:spPr>
             <a:xfrm>
-              <a:off x="4654592" y="2142353"/>
+              <a:off x="4638263" y="2142353"/>
               <a:ext cx="606744" cy="373661"/>
             </a:xfrm>
             <a:prstGeom prst="dodecagon">
@@ -6919,7 +6898,7 @@
           </p:nvSpPr>
           <p:spPr>
             <a:xfrm>
-              <a:off x="6401522" y="1334102"/>
+              <a:off x="6730338" y="974503"/>
               <a:ext cx="606744" cy="373661"/>
             </a:xfrm>
             <a:prstGeom prst="dodecagon">
@@ -6960,65 +6939,6 @@
                   <a:cs typeface="Arial" panose="020B0604020202020204" pitchFamily="34" charset="0"/>
                 </a:rPr>
                 <a:t>S3</a:t>
-              </a:r>
-            </a:p>
-          </p:txBody>
-        </p:sp>
-        <p:sp>
-          <p:nvSpPr>
-            <p:cNvPr id="50" name="Dodecagon 49">
-              <a:extLst>
-                <a:ext uri="{FF2B5EF4-FFF2-40B4-BE49-F238E27FC236}">
-                  <a16:creationId xmlns:a16="http://schemas.microsoft.com/office/drawing/2014/main" id="{AC6B58FF-765E-40BA-9E8C-2CF904B89844}"/>
-                </a:ext>
-              </a:extLst>
-            </p:cNvPr>
-            <p:cNvSpPr/>
-            <p:nvPr/>
-          </p:nvSpPr>
-          <p:spPr>
-            <a:xfrm>
-              <a:off x="5854901" y="2276631"/>
-              <a:ext cx="606744" cy="373661"/>
-            </a:xfrm>
-            <a:prstGeom prst="dodecagon">
-              <a:avLst/>
-            </a:prstGeom>
-            <a:noFill/>
-            <a:ln w="9525">
-              <a:noFill/>
-            </a:ln>
-          </p:spPr>
-          <p:style>
-            <a:lnRef idx="2">
-              <a:schemeClr val="accent1">
-                <a:shade val="50000"/>
-              </a:schemeClr>
-            </a:lnRef>
-            <a:fillRef idx="1">
-              <a:schemeClr val="accent1"/>
-            </a:fillRef>
-            <a:effectRef idx="0">
-              <a:schemeClr val="accent1"/>
-            </a:effectRef>
-            <a:fontRef idx="minor">
-              <a:schemeClr val="lt1"/>
-            </a:fontRef>
-          </p:style>
-          <p:txBody>
-            <a:bodyPr rtlCol="0" anchor="ctr"/>
-            <a:lstStyle/>
-            <a:p>
-              <a:pPr algn="ctr"/>
-              <a:r>
-                <a:rPr lang="en-US" sz="1000" dirty="0">
-                  <a:solidFill>
-                    <a:schemeClr val="tx1"/>
-                  </a:solidFill>
-                  <a:latin typeface="Arial" panose="020B0604020202020204" pitchFamily="34" charset="0"/>
-                  <a:cs typeface="Arial" panose="020B0604020202020204" pitchFamily="34" charset="0"/>
-                </a:rPr>
-                <a:t>S2</a:t>
               </a:r>
             </a:p>
           </p:txBody>
@@ -7361,8 +7281,8 @@
           </p:nvSpPr>
           <p:spPr>
             <a:xfrm>
-              <a:off x="5316751" y="3982390"/>
-              <a:ext cx="1700569" cy="276999"/>
+              <a:off x="5316751" y="3835433"/>
+              <a:ext cx="1700569" cy="393621"/>
             </a:xfrm>
             <a:prstGeom prst="rect">
               <a:avLst/>
@@ -7381,7 +7301,17 @@
                   <a:latin typeface="Times New Roman" panose="02020603050405020304" pitchFamily="18" charset="0"/>
                   <a:cs typeface="Times New Roman" panose="02020603050405020304" pitchFamily="18" charset="0"/>
                 </a:rPr>
-                <a:t>Separated solid effluent</a:t>
+                <a:t>S3</a:t>
+              </a:r>
+            </a:p>
+            <a:p>
+              <a:pPr algn="ctr"/>
+              <a:r>
+                <a:rPr lang="en-US" sz="1200" dirty="0">
+                  <a:latin typeface="Times New Roman" panose="02020603050405020304" pitchFamily="18" charset="0"/>
+                  <a:cs typeface="Times New Roman" panose="02020603050405020304" pitchFamily="18" charset="0"/>
+                </a:rPr>
+                <a:t>(Separated Solid Stage)</a:t>
               </a:r>
             </a:p>
           </p:txBody>
@@ -7400,8 +7330,8 @@
           </p:nvSpPr>
           <p:spPr>
             <a:xfrm>
-              <a:off x="3208645" y="3424898"/>
-              <a:ext cx="1786264" cy="276999"/>
+              <a:off x="2799652" y="3467876"/>
+              <a:ext cx="4504784" cy="236173"/>
             </a:xfrm>
             <a:prstGeom prst="rect">
               <a:avLst/>
@@ -7414,72 +7344,12 @@
             </a:bodyPr>
             <a:lstStyle/>
             <a:p>
-              <a:pPr algn="ctr"/>
               <a:r>
                 <a:rPr lang="en-US" sz="1200" b="1" dirty="0">
                   <a:latin typeface="Times New Roman" panose="02020603050405020304" pitchFamily="18" charset="0"/>
                   <a:cs typeface="Times New Roman" panose="02020603050405020304" pitchFamily="18" charset="0"/>
                 </a:rPr>
-                <a:t>(B) WEEPING WALL</a:t>
-              </a:r>
-            </a:p>
-          </p:txBody>
-        </p:sp>
-        <p:sp>
-          <p:nvSpPr>
-            <p:cNvPr id="67" name="Dodecagon 66">
-              <a:extLst>
-                <a:ext uri="{FF2B5EF4-FFF2-40B4-BE49-F238E27FC236}">
-                  <a16:creationId xmlns:a16="http://schemas.microsoft.com/office/drawing/2014/main" id="{69F96EA9-9030-4B84-8DC3-A9B687A41BC6}"/>
-                </a:ext>
-              </a:extLst>
-            </p:cNvPr>
-            <p:cNvSpPr/>
-            <p:nvPr/>
-          </p:nvSpPr>
-          <p:spPr>
-            <a:xfrm>
-              <a:off x="7760390" y="5310378"/>
-              <a:ext cx="606744" cy="373661"/>
-            </a:xfrm>
-            <a:prstGeom prst="dodecagon">
-              <a:avLst/>
-            </a:prstGeom>
-            <a:noFill/>
-            <a:ln w="9525">
-              <a:noFill/>
-            </a:ln>
-          </p:spPr>
-          <p:style>
-            <a:lnRef idx="2">
-              <a:schemeClr val="accent1">
-                <a:shade val="50000"/>
-              </a:schemeClr>
-            </a:lnRef>
-            <a:fillRef idx="1">
-              <a:schemeClr val="accent1"/>
-            </a:fillRef>
-            <a:effectRef idx="0">
-              <a:schemeClr val="accent1"/>
-            </a:effectRef>
-            <a:fontRef idx="minor">
-              <a:schemeClr val="lt1"/>
-            </a:fontRef>
-          </p:style>
-          <p:txBody>
-            <a:bodyPr rtlCol="0" anchor="ctr"/>
-            <a:lstStyle/>
-            <a:p>
-              <a:pPr algn="ctr"/>
-              <a:r>
-                <a:rPr lang="en-US" sz="1000" dirty="0">
-                  <a:solidFill>
-                    <a:schemeClr val="tx1"/>
-                  </a:solidFill>
-                  <a:latin typeface="Arial" panose="020B0604020202020204" pitchFamily="34" charset="0"/>
-                  <a:cs typeface="Arial" panose="020B0604020202020204" pitchFamily="34" charset="0"/>
-                </a:rPr>
-                <a:t>S4</a:t>
+                <a:t>(b) Weeping Wall (Gravitational) Separator</a:t>
               </a:r>
             </a:p>
           </p:txBody>
@@ -7498,7 +7368,7 @@
           </p:nvSpPr>
           <p:spPr>
             <a:xfrm>
-              <a:off x="4711742" y="4733153"/>
+              <a:off x="4695413" y="4733153"/>
               <a:ext cx="606744" cy="373661"/>
             </a:xfrm>
             <a:prstGeom prst="dodecagon">
@@ -7539,124 +7409,6 @@
                   <a:cs typeface="Arial" panose="020B0604020202020204" pitchFamily="34" charset="0"/>
                 </a:rPr>
                 <a:t>S1</a:t>
-              </a:r>
-            </a:p>
-          </p:txBody>
-        </p:sp>
-        <p:sp>
-          <p:nvSpPr>
-            <p:cNvPr id="69" name="Dodecagon 68">
-              <a:extLst>
-                <a:ext uri="{FF2B5EF4-FFF2-40B4-BE49-F238E27FC236}">
-                  <a16:creationId xmlns:a16="http://schemas.microsoft.com/office/drawing/2014/main" id="{5D8F6C5E-3BF8-42A1-B223-AD7D6DE03BBC}"/>
-                </a:ext>
-              </a:extLst>
-            </p:cNvPr>
-            <p:cNvSpPr/>
-            <p:nvPr/>
-          </p:nvSpPr>
-          <p:spPr>
-            <a:xfrm>
-              <a:off x="5728896" y="4086944"/>
-              <a:ext cx="606744" cy="373661"/>
-            </a:xfrm>
-            <a:prstGeom prst="dodecagon">
-              <a:avLst/>
-            </a:prstGeom>
-            <a:noFill/>
-            <a:ln w="9525">
-              <a:noFill/>
-            </a:ln>
-          </p:spPr>
-          <p:style>
-            <a:lnRef idx="2">
-              <a:schemeClr val="accent1">
-                <a:shade val="50000"/>
-              </a:schemeClr>
-            </a:lnRef>
-            <a:fillRef idx="1">
-              <a:schemeClr val="accent1"/>
-            </a:fillRef>
-            <a:effectRef idx="0">
-              <a:schemeClr val="accent1"/>
-            </a:effectRef>
-            <a:fontRef idx="minor">
-              <a:schemeClr val="lt1"/>
-            </a:fontRef>
-          </p:style>
-          <p:txBody>
-            <a:bodyPr rtlCol="0" anchor="ctr"/>
-            <a:lstStyle/>
-            <a:p>
-              <a:pPr algn="ctr"/>
-              <a:r>
-                <a:rPr lang="en-US" sz="1000" dirty="0">
-                  <a:solidFill>
-                    <a:schemeClr val="tx1"/>
-                  </a:solidFill>
-                  <a:latin typeface="Arial" panose="020B0604020202020204" pitchFamily="34" charset="0"/>
-                  <a:cs typeface="Arial" panose="020B0604020202020204" pitchFamily="34" charset="0"/>
-                </a:rPr>
-                <a:t>S3</a:t>
-              </a:r>
-            </a:p>
-          </p:txBody>
-        </p:sp>
-        <p:sp>
-          <p:nvSpPr>
-            <p:cNvPr id="70" name="Dodecagon 69">
-              <a:extLst>
-                <a:ext uri="{FF2B5EF4-FFF2-40B4-BE49-F238E27FC236}">
-                  <a16:creationId xmlns:a16="http://schemas.microsoft.com/office/drawing/2014/main" id="{261F9E12-6D61-478E-BAC1-29F4ABF20BE0}"/>
-                </a:ext>
-              </a:extLst>
-            </p:cNvPr>
-            <p:cNvSpPr/>
-            <p:nvPr/>
-          </p:nvSpPr>
-          <p:spPr>
-            <a:xfrm>
-              <a:off x="6928544" y="4482215"/>
-              <a:ext cx="606744" cy="373661"/>
-            </a:xfrm>
-            <a:prstGeom prst="dodecagon">
-              <a:avLst/>
-            </a:prstGeom>
-            <a:noFill/>
-            <a:ln w="9525">
-              <a:noFill/>
-            </a:ln>
-          </p:spPr>
-          <p:style>
-            <a:lnRef idx="2">
-              <a:schemeClr val="accent1">
-                <a:shade val="50000"/>
-              </a:schemeClr>
-            </a:lnRef>
-            <a:fillRef idx="1">
-              <a:schemeClr val="accent1"/>
-            </a:fillRef>
-            <a:effectRef idx="0">
-              <a:schemeClr val="accent1"/>
-            </a:effectRef>
-            <a:fontRef idx="minor">
-              <a:schemeClr val="lt1"/>
-            </a:fontRef>
-          </p:style>
-          <p:txBody>
-            <a:bodyPr rtlCol="0" anchor="ctr"/>
-            <a:lstStyle/>
-            <a:p>
-              <a:pPr algn="ctr"/>
-              <a:r>
-                <a:rPr lang="en-US" sz="1000" dirty="0">
-                  <a:solidFill>
-                    <a:schemeClr val="tx1"/>
-                  </a:solidFill>
-                  <a:latin typeface="Arial" panose="020B0604020202020204" pitchFamily="34" charset="0"/>
-                  <a:cs typeface="Arial" panose="020B0604020202020204" pitchFamily="34" charset="0"/>
-                </a:rPr>
-                <a:t>S2</a:t>
               </a:r>
             </a:p>
           </p:txBody>
@@ -7719,44 +7471,6 @@
         </p:sp>
         <p:sp>
           <p:nvSpPr>
-            <p:cNvPr id="78" name="TextBox 77">
-              <a:extLst>
-                <a:ext uri="{FF2B5EF4-FFF2-40B4-BE49-F238E27FC236}">
-                  <a16:creationId xmlns:a16="http://schemas.microsoft.com/office/drawing/2014/main" id="{D665373E-CFA9-4124-B2AF-77BB2BF66B39}"/>
-                </a:ext>
-              </a:extLst>
-            </p:cNvPr>
-            <p:cNvSpPr txBox="1"/>
-            <p:nvPr/>
-          </p:nvSpPr>
-          <p:spPr>
-            <a:xfrm>
-              <a:off x="6369662" y="5358708"/>
-              <a:ext cx="1869525" cy="276999"/>
-            </a:xfrm>
-            <a:prstGeom prst="rect">
-              <a:avLst/>
-            </a:prstGeom>
-            <a:noFill/>
-          </p:spPr>
-          <p:txBody>
-            <a:bodyPr wrap="square" rtlCol="0">
-              <a:spAutoFit/>
-            </a:bodyPr>
-            <a:lstStyle/>
-            <a:p>
-              <a:r>
-                <a:rPr lang="en-US" sz="1200" dirty="0">
-                  <a:latin typeface="Times New Roman" panose="02020603050405020304" pitchFamily="18" charset="0"/>
-                  <a:cs typeface="Times New Roman" panose="02020603050405020304" pitchFamily="18" charset="0"/>
-                </a:rPr>
-                <a:t>Recycled liquid effluent</a:t>
-              </a:r>
-            </a:p>
-          </p:txBody>
-        </p:sp>
-        <p:sp>
-          <p:nvSpPr>
             <p:cNvPr id="79" name="TextBox 78">
               <a:extLst>
                 <a:ext uri="{FF2B5EF4-FFF2-40B4-BE49-F238E27FC236}">
@@ -7769,8 +7483,8 @@
           </p:nvSpPr>
           <p:spPr>
             <a:xfrm>
-              <a:off x="6095246" y="2326543"/>
-              <a:ext cx="1953853" cy="276999"/>
+              <a:off x="5912631" y="2326543"/>
+              <a:ext cx="2087482" cy="236173"/>
             </a:xfrm>
             <a:prstGeom prst="rect">
               <a:avLst/>
@@ -7789,7 +7503,7 @@
                   <a:latin typeface="Times New Roman" panose="02020603050405020304" pitchFamily="18" charset="0"/>
                   <a:cs typeface="Times New Roman" panose="02020603050405020304" pitchFamily="18" charset="0"/>
                 </a:rPr>
-                <a:t>Separated liquid effluent</a:t>
+                <a:t>S2 (Separated Liquid Stage)</a:t>
               </a:r>
             </a:p>
           </p:txBody>
@@ -7808,8 +7522,8 @@
           </p:nvSpPr>
           <p:spPr>
             <a:xfrm>
-              <a:off x="6019046" y="4769785"/>
-              <a:ext cx="1953853" cy="276999"/>
+              <a:off x="5527958" y="4769785"/>
+              <a:ext cx="2444942" cy="236173"/>
             </a:xfrm>
             <a:prstGeom prst="rect">
               <a:avLst/>
@@ -7828,12 +7542,176 @@
                   <a:latin typeface="Times New Roman" panose="02020603050405020304" pitchFamily="18" charset="0"/>
                   <a:cs typeface="Times New Roman" panose="02020603050405020304" pitchFamily="18" charset="0"/>
                 </a:rPr>
-                <a:t>Separated liquid effluent</a:t>
+                <a:t>S2 (Separated Liquid Stage)</a:t>
               </a:r>
             </a:p>
           </p:txBody>
         </p:sp>
       </p:grpSp>
+      <p:sp>
+        <p:nvSpPr>
+          <p:cNvPr id="45" name="TextBox 44">
+            <a:extLst>
+              <a:ext uri="{FF2B5EF4-FFF2-40B4-BE49-F238E27FC236}">
+                <a16:creationId xmlns:a16="http://schemas.microsoft.com/office/drawing/2014/main" id="{E91C5E37-B5D8-484B-A91A-5A38CEB0DD82}"/>
+              </a:ext>
+            </a:extLst>
+          </p:cNvPr>
+          <p:cNvSpPr txBox="1"/>
+          <p:nvPr/>
+        </p:nvSpPr>
+        <p:spPr>
+          <a:xfrm>
+            <a:off x="2976383" y="5842490"/>
+            <a:ext cx="2260799" cy="461665"/>
+          </a:xfrm>
+          <a:prstGeom prst="rect">
+            <a:avLst/>
+          </a:prstGeom>
+          <a:noFill/>
+        </p:spPr>
+        <p:txBody>
+          <a:bodyPr wrap="square" rtlCol="0">
+            <a:spAutoFit/>
+          </a:bodyPr>
+          <a:lstStyle/>
+          <a:p>
+            <a:pPr algn="ctr"/>
+            <a:r>
+              <a:rPr lang="en-US" sz="1200" dirty="0"/>
+              <a:t>S4 </a:t>
+            </a:r>
+          </a:p>
+          <a:p>
+            <a:pPr algn="ctr"/>
+            <a:r>
+              <a:rPr lang="en-US" sz="1200" dirty="0"/>
+              <a:t>(Pre-flush Recycled Liquid Stage)</a:t>
+            </a:r>
+          </a:p>
+        </p:txBody>
+      </p:sp>
+      <p:sp>
+        <p:nvSpPr>
+          <p:cNvPr id="37" name="TextBox 36">
+            <a:extLst>
+              <a:ext uri="{FF2B5EF4-FFF2-40B4-BE49-F238E27FC236}">
+                <a16:creationId xmlns:a16="http://schemas.microsoft.com/office/drawing/2014/main" id="{544DC28E-0571-1144-80E9-BC3458A7DBC7}"/>
+              </a:ext>
+            </a:extLst>
+          </p:cNvPr>
+          <p:cNvSpPr txBox="1"/>
+          <p:nvPr/>
+        </p:nvSpPr>
+        <p:spPr>
+          <a:xfrm>
+            <a:off x="3941849" y="2426148"/>
+            <a:ext cx="2087482" cy="276999"/>
+          </a:xfrm>
+          <a:prstGeom prst="rect">
+            <a:avLst/>
+          </a:prstGeom>
+          <a:noFill/>
+        </p:spPr>
+        <p:txBody>
+          <a:bodyPr wrap="square" rtlCol="0">
+            <a:spAutoFit/>
+          </a:bodyPr>
+          <a:lstStyle/>
+          <a:p>
+            <a:pPr algn="ctr"/>
+            <a:r>
+              <a:rPr lang="en-US" sz="1200" dirty="0">
+                <a:latin typeface="Times New Roman" panose="02020603050405020304" pitchFamily="18" charset="0"/>
+                <a:cs typeface="Times New Roman" panose="02020603050405020304" pitchFamily="18" charset="0"/>
+              </a:rPr>
+              <a:t>(Flushed Effluents)</a:t>
+            </a:r>
+          </a:p>
+        </p:txBody>
+      </p:sp>
+      <p:sp>
+        <p:nvSpPr>
+          <p:cNvPr id="38" name="TextBox 37">
+            <a:extLst>
+              <a:ext uri="{FF2B5EF4-FFF2-40B4-BE49-F238E27FC236}">
+                <a16:creationId xmlns:a16="http://schemas.microsoft.com/office/drawing/2014/main" id="{636BE6BC-C0E2-3247-8318-78C9E527B4AC}"/>
+              </a:ext>
+            </a:extLst>
+          </p:cNvPr>
+          <p:cNvSpPr txBox="1"/>
+          <p:nvPr/>
+        </p:nvSpPr>
+        <p:spPr>
+          <a:xfrm>
+            <a:off x="3975743" y="5451912"/>
+            <a:ext cx="2087482" cy="276999"/>
+          </a:xfrm>
+          <a:prstGeom prst="rect">
+            <a:avLst/>
+          </a:prstGeom>
+          <a:noFill/>
+        </p:spPr>
+        <p:txBody>
+          <a:bodyPr wrap="square" rtlCol="0">
+            <a:spAutoFit/>
+          </a:bodyPr>
+          <a:lstStyle/>
+          <a:p>
+            <a:pPr algn="ctr"/>
+            <a:r>
+              <a:rPr lang="en-US" sz="1200" dirty="0">
+                <a:latin typeface="Times New Roman" panose="02020603050405020304" pitchFamily="18" charset="0"/>
+                <a:cs typeface="Times New Roman" panose="02020603050405020304" pitchFamily="18" charset="0"/>
+              </a:rPr>
+              <a:t>(Flushed Effluents)</a:t>
+            </a:r>
+          </a:p>
+        </p:txBody>
+      </p:sp>
+      <p:sp>
+        <p:nvSpPr>
+          <p:cNvPr id="46" name="TextBox 45">
+            <a:extLst>
+              <a:ext uri="{FF2B5EF4-FFF2-40B4-BE49-F238E27FC236}">
+                <a16:creationId xmlns:a16="http://schemas.microsoft.com/office/drawing/2014/main" id="{8BE68912-C710-7D4F-93BB-5B8EF4C6DBB6}"/>
+              </a:ext>
+            </a:extLst>
+          </p:cNvPr>
+          <p:cNvSpPr txBox="1"/>
+          <p:nvPr/>
+        </p:nvSpPr>
+        <p:spPr>
+          <a:xfrm>
+            <a:off x="2886910" y="2843481"/>
+            <a:ext cx="2260799" cy="461665"/>
+          </a:xfrm>
+          <a:prstGeom prst="rect">
+            <a:avLst/>
+          </a:prstGeom>
+          <a:noFill/>
+        </p:spPr>
+        <p:txBody>
+          <a:bodyPr wrap="square" rtlCol="0">
+            <a:spAutoFit/>
+          </a:bodyPr>
+          <a:lstStyle/>
+          <a:p>
+            <a:pPr algn="ctr"/>
+            <a:r>
+              <a:rPr lang="en-US" sz="1200" dirty="0"/>
+              <a:t>S4 </a:t>
+            </a:r>
+          </a:p>
+          <a:p>
+            <a:pPr algn="ctr"/>
+            <a:r>
+              <a:rPr lang="en-US" sz="1200" dirty="0"/>
+              <a:t>(Pre-flush Recycled Liquid Stage)</a:t>
+            </a:r>
+          </a:p>
+        </p:txBody>
+      </p:sp>
     </p:spTree>
     <p:extLst>
       <p:ext uri="{BB962C8B-B14F-4D97-AF65-F5344CB8AC3E}">
